--- a/docs/Notes_on_Batch_Reinforcement_Learning_Sasha_Lange.pptx
+++ b/docs/Notes_on_Batch_Reinforcement_Learning_Sasha_Lange.pptx
@@ -3321,6 +3321,1486 @@
           <a:chExt cx="0" cy="0"/>
         </a:xfrm>
       </p:grpSpPr>
+      <p:grpSp>
+        <p:nvGrpSpPr>
+          <p:cNvPr id="20" name="Group 19">
+            <a:extLst>
+              <a:ext uri="{FF2B5EF4-FFF2-40B4-BE49-F238E27FC236}">
+                <a16:creationId xmlns:a16="http://schemas.microsoft.com/office/drawing/2014/main" id="{71FB9E3F-4C92-6862-29BC-17E494B9C7A7}"/>
+              </a:ext>
+            </a:extLst>
+          </p:cNvPr>
+          <p:cNvGrpSpPr/>
+          <p:nvPr/>
+        </p:nvGrpSpPr>
+        <p:grpSpPr>
+          <a:xfrm>
+            <a:off x="1790542" y="1077003"/>
+            <a:ext cx="4050397" cy="1131839"/>
+            <a:chOff x="1790542" y="1077003"/>
+            <a:chExt cx="4050397" cy="1131839"/>
+          </a:xfrm>
+        </p:grpSpPr>
+        <p:sp>
+          <p:nvSpPr>
+            <p:cNvPr id="4" name="Rounded Rectangle 3">
+              <a:extLst>
+                <a:ext uri="{FF2B5EF4-FFF2-40B4-BE49-F238E27FC236}">
+                  <a16:creationId xmlns:a16="http://schemas.microsoft.com/office/drawing/2014/main" id="{D4381C79-3D5C-9D55-2413-F8393410A9A7}"/>
+                </a:ext>
+              </a:extLst>
+            </p:cNvPr>
+            <p:cNvSpPr/>
+            <p:nvPr/>
+          </p:nvSpPr>
+          <p:spPr>
+            <a:xfrm>
+              <a:off x="1790542" y="1465336"/>
+              <a:ext cx="864663" cy="547109"/>
+            </a:xfrm>
+            <a:prstGeom prst="roundRect">
+              <a:avLst/>
+            </a:prstGeom>
+            <a:solidFill>
+              <a:schemeClr val="accent1">
+                <a:alpha val="10000"/>
+              </a:schemeClr>
+            </a:solidFill>
+          </p:spPr>
+          <p:style>
+            <a:lnRef idx="2">
+              <a:schemeClr val="accent1">
+                <a:shade val="15000"/>
+              </a:schemeClr>
+            </a:lnRef>
+            <a:fillRef idx="1">
+              <a:schemeClr val="accent1"/>
+            </a:fillRef>
+            <a:effectRef idx="0">
+              <a:schemeClr val="accent1"/>
+            </a:effectRef>
+            <a:fontRef idx="minor">
+              <a:schemeClr val="lt1"/>
+            </a:fontRef>
+          </p:style>
+          <p:txBody>
+            <a:bodyPr rtlCol="0" anchor="ctr"/>
+            <a:lstStyle/>
+            <a:p>
+              <a:pPr algn="ctr"/>
+              <a:endParaRPr lang="en-US"/>
+            </a:p>
+          </p:txBody>
+        </p:sp>
+        <p:sp>
+          <p:nvSpPr>
+            <p:cNvPr id="5" name="TextBox 4">
+              <a:extLst>
+                <a:ext uri="{FF2B5EF4-FFF2-40B4-BE49-F238E27FC236}">
+                  <a16:creationId xmlns:a16="http://schemas.microsoft.com/office/drawing/2014/main" id="{AAC32BEE-F1DD-A7D1-B2BB-C51C4A944AAA}"/>
+                </a:ext>
+              </a:extLst>
+            </p:cNvPr>
+            <p:cNvSpPr txBox="1"/>
+            <p:nvPr/>
+          </p:nvSpPr>
+          <p:spPr>
+            <a:xfrm>
+              <a:off x="1822926" y="1623474"/>
+              <a:ext cx="832279" cy="230832"/>
+            </a:xfrm>
+            <a:prstGeom prst="rect">
+              <a:avLst/>
+            </a:prstGeom>
+            <a:noFill/>
+          </p:spPr>
+          <p:txBody>
+            <a:bodyPr wrap="none" rtlCol="0">
+              <a:spAutoFit/>
+            </a:bodyPr>
+            <a:lstStyle/>
+            <a:p>
+              <a:r>
+                <a:rPr lang="en-US" sz="900" dirty="0"/>
+                <a:t>1. Exploration</a:t>
+              </a:r>
+            </a:p>
+          </p:txBody>
+        </p:sp>
+        <p:sp>
+          <p:nvSpPr>
+            <p:cNvPr id="6" name="Rounded Rectangle 5">
+              <a:extLst>
+                <a:ext uri="{FF2B5EF4-FFF2-40B4-BE49-F238E27FC236}">
+                  <a16:creationId xmlns:a16="http://schemas.microsoft.com/office/drawing/2014/main" id="{012DF3E0-DDE1-A558-9014-C0292A0DC3FE}"/>
+                </a:ext>
+              </a:extLst>
+            </p:cNvPr>
+            <p:cNvSpPr/>
+            <p:nvPr/>
+          </p:nvSpPr>
+          <p:spPr>
+            <a:xfrm>
+              <a:off x="3362366" y="1465336"/>
+              <a:ext cx="864663" cy="547109"/>
+            </a:xfrm>
+            <a:prstGeom prst="roundRect">
+              <a:avLst/>
+            </a:prstGeom>
+            <a:solidFill>
+              <a:schemeClr val="accent1">
+                <a:alpha val="10000"/>
+              </a:schemeClr>
+            </a:solidFill>
+          </p:spPr>
+          <p:style>
+            <a:lnRef idx="2">
+              <a:schemeClr val="accent1">
+                <a:shade val="15000"/>
+              </a:schemeClr>
+            </a:lnRef>
+            <a:fillRef idx="1">
+              <a:schemeClr val="accent1"/>
+            </a:fillRef>
+            <a:effectRef idx="0">
+              <a:schemeClr val="accent1"/>
+            </a:effectRef>
+            <a:fontRef idx="minor">
+              <a:schemeClr val="lt1"/>
+            </a:fontRef>
+          </p:style>
+          <p:txBody>
+            <a:bodyPr rtlCol="0" anchor="ctr"/>
+            <a:lstStyle/>
+            <a:p>
+              <a:pPr algn="ctr"/>
+              <a:endParaRPr lang="en-US"/>
+            </a:p>
+          </p:txBody>
+        </p:sp>
+        <p:sp>
+          <p:nvSpPr>
+            <p:cNvPr id="7" name="TextBox 6">
+              <a:extLst>
+                <a:ext uri="{FF2B5EF4-FFF2-40B4-BE49-F238E27FC236}">
+                  <a16:creationId xmlns:a16="http://schemas.microsoft.com/office/drawing/2014/main" id="{1F67FEDF-810B-0D58-74F1-A3C1AA4C4FB9}"/>
+                </a:ext>
+              </a:extLst>
+            </p:cNvPr>
+            <p:cNvSpPr txBox="1"/>
+            <p:nvPr/>
+          </p:nvSpPr>
+          <p:spPr>
+            <a:xfrm>
+              <a:off x="3394750" y="1623474"/>
+              <a:ext cx="700833" cy="230832"/>
+            </a:xfrm>
+            <a:prstGeom prst="rect">
+              <a:avLst/>
+            </a:prstGeom>
+            <a:noFill/>
+          </p:spPr>
+          <p:txBody>
+            <a:bodyPr wrap="none" rtlCol="0">
+              <a:spAutoFit/>
+            </a:bodyPr>
+            <a:lstStyle/>
+            <a:p>
+              <a:r>
+                <a:rPr lang="en-US" sz="900" dirty="0"/>
+                <a:t>2. Learning</a:t>
+              </a:r>
+            </a:p>
+          </p:txBody>
+        </p:sp>
+        <p:sp>
+          <p:nvSpPr>
+            <p:cNvPr id="8" name="Rounded Rectangle 7">
+              <a:extLst>
+                <a:ext uri="{FF2B5EF4-FFF2-40B4-BE49-F238E27FC236}">
+                  <a16:creationId xmlns:a16="http://schemas.microsoft.com/office/drawing/2014/main" id="{5958F59B-49A7-B746-5B48-8BC8487B798D}"/>
+                </a:ext>
+              </a:extLst>
+            </p:cNvPr>
+            <p:cNvSpPr/>
+            <p:nvPr/>
+          </p:nvSpPr>
+          <p:spPr>
+            <a:xfrm>
+              <a:off x="4976276" y="1465336"/>
+              <a:ext cx="864663" cy="547109"/>
+            </a:xfrm>
+            <a:prstGeom prst="roundRect">
+              <a:avLst/>
+            </a:prstGeom>
+            <a:solidFill>
+              <a:schemeClr val="accent1">
+                <a:alpha val="10000"/>
+              </a:schemeClr>
+            </a:solidFill>
+          </p:spPr>
+          <p:style>
+            <a:lnRef idx="2">
+              <a:schemeClr val="accent1">
+                <a:shade val="15000"/>
+              </a:schemeClr>
+            </a:lnRef>
+            <a:fillRef idx="1">
+              <a:schemeClr val="accent1"/>
+            </a:fillRef>
+            <a:effectRef idx="0">
+              <a:schemeClr val="accent1"/>
+            </a:effectRef>
+            <a:fontRef idx="minor">
+              <a:schemeClr val="lt1"/>
+            </a:fontRef>
+          </p:style>
+          <p:txBody>
+            <a:bodyPr rtlCol="0" anchor="ctr"/>
+            <a:lstStyle/>
+            <a:p>
+              <a:pPr algn="ctr"/>
+              <a:endParaRPr lang="en-US"/>
+            </a:p>
+          </p:txBody>
+        </p:sp>
+        <p:sp>
+          <p:nvSpPr>
+            <p:cNvPr id="9" name="TextBox 8">
+              <a:extLst>
+                <a:ext uri="{FF2B5EF4-FFF2-40B4-BE49-F238E27FC236}">
+                  <a16:creationId xmlns:a16="http://schemas.microsoft.com/office/drawing/2014/main" id="{7524CAF5-96E5-6A48-2595-3876F643FAF8}"/>
+                </a:ext>
+              </a:extLst>
+            </p:cNvPr>
+            <p:cNvSpPr txBox="1"/>
+            <p:nvPr/>
+          </p:nvSpPr>
+          <p:spPr>
+            <a:xfrm>
+              <a:off x="5008660" y="1623474"/>
+              <a:ext cx="830677" cy="230832"/>
+            </a:xfrm>
+            <a:prstGeom prst="rect">
+              <a:avLst/>
+            </a:prstGeom>
+            <a:noFill/>
+          </p:spPr>
+          <p:txBody>
+            <a:bodyPr wrap="none" rtlCol="0">
+              <a:spAutoFit/>
+            </a:bodyPr>
+            <a:lstStyle/>
+            <a:p>
+              <a:r>
+                <a:rPr lang="en-US" sz="900" dirty="0"/>
+                <a:t>3. Application</a:t>
+              </a:r>
+            </a:p>
+          </p:txBody>
+        </p:sp>
+        <p:cxnSp>
+          <p:nvCxnSpPr>
+            <p:cNvPr id="11" name="Straight Arrow Connector 10">
+              <a:extLst>
+                <a:ext uri="{FF2B5EF4-FFF2-40B4-BE49-F238E27FC236}">
+                  <a16:creationId xmlns:a16="http://schemas.microsoft.com/office/drawing/2014/main" id="{8A215E50-D92C-773D-D9B9-AC6E96AF85F1}"/>
+                </a:ext>
+              </a:extLst>
+            </p:cNvPr>
+            <p:cNvCxnSpPr>
+              <a:cxnSpLocks/>
+            </p:cNvCxnSpPr>
+            <p:nvPr/>
+          </p:nvCxnSpPr>
+          <p:spPr>
+            <a:xfrm>
+              <a:off x="2655205" y="1738890"/>
+              <a:ext cx="707161" cy="0"/>
+            </a:xfrm>
+            <a:prstGeom prst="straightConnector1">
+              <a:avLst/>
+            </a:prstGeom>
+            <a:ln>
+              <a:tailEnd type="triangle"/>
+            </a:ln>
+          </p:spPr>
+          <p:style>
+            <a:lnRef idx="1">
+              <a:schemeClr val="accent1"/>
+            </a:lnRef>
+            <a:fillRef idx="0">
+              <a:schemeClr val="accent1"/>
+            </a:fillRef>
+            <a:effectRef idx="0">
+              <a:schemeClr val="accent1"/>
+            </a:effectRef>
+            <a:fontRef idx="minor">
+              <a:schemeClr val="tx1"/>
+            </a:fontRef>
+          </p:style>
+        </p:cxnSp>
+        <p:sp>
+          <p:nvSpPr>
+            <p:cNvPr id="13" name="TextBox 12">
+              <a:extLst>
+                <a:ext uri="{FF2B5EF4-FFF2-40B4-BE49-F238E27FC236}">
+                  <a16:creationId xmlns:a16="http://schemas.microsoft.com/office/drawing/2014/main" id="{84E40160-2467-0511-CAC0-D909D6C5CEAB}"/>
+                </a:ext>
+              </a:extLst>
+            </p:cNvPr>
+            <p:cNvSpPr txBox="1"/>
+            <p:nvPr/>
+          </p:nvSpPr>
+          <p:spPr>
+            <a:xfrm>
+              <a:off x="2613119" y="1545361"/>
+              <a:ext cx="683200" cy="230832"/>
+            </a:xfrm>
+            <a:prstGeom prst="rect">
+              <a:avLst/>
+            </a:prstGeom>
+            <a:noFill/>
+          </p:spPr>
+          <p:txBody>
+            <a:bodyPr wrap="none" rtlCol="0">
+              <a:spAutoFit/>
+            </a:bodyPr>
+            <a:lstStyle/>
+            <a:p>
+              <a:r>
+                <a:rPr lang="en-US" sz="900" dirty="0"/>
+                <a:t>transitions</a:t>
+              </a:r>
+            </a:p>
+          </p:txBody>
+        </p:sp>
+        <mc:AlternateContent xmlns:mc="http://schemas.openxmlformats.org/markup-compatibility/2006">
+          <mc:Choice xmlns:a14="http://schemas.microsoft.com/office/drawing/2010/main" Requires="a14">
+            <p:sp>
+              <p:nvSpPr>
+                <p:cNvPr id="14" name="TextBox 13">
+                  <a:extLst>
+                    <a:ext uri="{FF2B5EF4-FFF2-40B4-BE49-F238E27FC236}">
+                      <a16:creationId xmlns:a16="http://schemas.microsoft.com/office/drawing/2014/main" id="{68897012-2B6B-59F8-1F7D-249FFA8A219E}"/>
+                    </a:ext>
+                  </a:extLst>
+                </p:cNvPr>
+                <p:cNvSpPr txBox="1"/>
+                <p:nvPr/>
+              </p:nvSpPr>
+              <p:spPr>
+                <a:xfrm>
+                  <a:off x="2613119" y="1732832"/>
+                  <a:ext cx="708847" cy="230832"/>
+                </a:xfrm>
+                <a:prstGeom prst="rect">
+                  <a:avLst/>
+                </a:prstGeom>
+                <a:noFill/>
+              </p:spPr>
+              <p:txBody>
+                <a:bodyPr wrap="none" rtlCol="0">
+                  <a:spAutoFit/>
+                </a:bodyPr>
+                <a:lstStyle/>
+                <a:p>
+                  <a14:m>
+                    <m:oMathPara xmlns:m="http://schemas.openxmlformats.org/officeDocument/2006/math">
+                      <m:oMathParaPr>
+                        <m:jc m:val="centerGroup"/>
+                      </m:oMathParaPr>
+                      <m:oMath xmlns:m="http://schemas.openxmlformats.org/officeDocument/2006/math">
+                        <m:d>
+                          <m:dPr>
+                            <m:ctrlPr>
+                              <a:rPr lang="en-US" sz="900" i="1" dirty="0" smtClean="0">
+                                <a:latin typeface="Cambria Math" panose="02040503050406030204" pitchFamily="18" charset="0"/>
+                              </a:rPr>
+                            </m:ctrlPr>
+                          </m:dPr>
+                          <m:e>
+                            <m:r>
+                              <a:rPr lang="en-US" sz="900" i="1" dirty="0" smtClean="0">
+                                <a:latin typeface="Cambria Math" panose="02040503050406030204" pitchFamily="18" charset="0"/>
+                              </a:rPr>
+                              <m:t>𝑠</m:t>
+                            </m:r>
+                            <m:r>
+                              <a:rPr lang="en-US" sz="900" i="1" dirty="0" smtClean="0">
+                                <a:latin typeface="Cambria Math" panose="02040503050406030204" pitchFamily="18" charset="0"/>
+                              </a:rPr>
+                              <m:t>,</m:t>
+                            </m:r>
+                            <m:r>
+                              <a:rPr lang="en-US" sz="900" i="1" dirty="0" smtClean="0">
+                                <a:latin typeface="Cambria Math" panose="02040503050406030204" pitchFamily="18" charset="0"/>
+                              </a:rPr>
+                              <m:t>𝑎</m:t>
+                            </m:r>
+                            <m:r>
+                              <a:rPr lang="en-US" sz="900" i="1" dirty="0" smtClean="0">
+                                <a:latin typeface="Cambria Math" panose="02040503050406030204" pitchFamily="18" charset="0"/>
+                              </a:rPr>
+                              <m:t>,</m:t>
+                            </m:r>
+                            <m:r>
+                              <a:rPr lang="en-US" sz="900" i="1" dirty="0" smtClean="0">
+                                <a:latin typeface="Cambria Math" panose="02040503050406030204" pitchFamily="18" charset="0"/>
+                              </a:rPr>
+                              <m:t>𝑟</m:t>
+                            </m:r>
+                            <m:r>
+                              <a:rPr lang="en-US" sz="900" i="1" dirty="0" smtClean="0">
+                                <a:latin typeface="Cambria Math" panose="02040503050406030204" pitchFamily="18" charset="0"/>
+                              </a:rPr>
+                              <m:t>,</m:t>
+                            </m:r>
+                            <m:sSup>
+                              <m:sSupPr>
+                                <m:ctrlPr>
+                                  <a:rPr lang="en-US" sz="900" i="1" dirty="0" smtClean="0">
+                                    <a:latin typeface="Cambria Math" panose="02040503050406030204" pitchFamily="18" charset="0"/>
+                                  </a:rPr>
+                                </m:ctrlPr>
+                              </m:sSupPr>
+                              <m:e>
+                                <m:r>
+                                  <a:rPr lang="en-US" sz="900" b="0" i="1" dirty="0" smtClean="0">
+                                    <a:latin typeface="Cambria Math" panose="02040503050406030204" pitchFamily="18" charset="0"/>
+                                  </a:rPr>
+                                  <m:t>𝑠</m:t>
+                                </m:r>
+                              </m:e>
+                              <m:sup>
+                                <m:r>
+                                  <a:rPr lang="en-US" sz="900" b="0" i="1" dirty="0" smtClean="0">
+                                    <a:latin typeface="Cambria Math" panose="02040503050406030204" pitchFamily="18" charset="0"/>
+                                  </a:rPr>
+                                  <m:t>′</m:t>
+                                </m:r>
+                              </m:sup>
+                            </m:sSup>
+                          </m:e>
+                        </m:d>
+                      </m:oMath>
+                    </m:oMathPara>
+                  </a14:m>
+                  <a:endParaRPr lang="en-US" sz="900" dirty="0"/>
+                </a:p>
+              </p:txBody>
+            </p:sp>
+          </mc:Choice>
+          <mc:Fallback>
+            <p:sp>
+              <p:nvSpPr>
+                <p:cNvPr id="14" name="TextBox 13">
+                  <a:extLst>
+                    <a:ext uri="{FF2B5EF4-FFF2-40B4-BE49-F238E27FC236}">
+                      <a16:creationId xmlns:a16="http://schemas.microsoft.com/office/drawing/2014/main" id="{68897012-2B6B-59F8-1F7D-249FFA8A219E}"/>
+                    </a:ext>
+                  </a:extLst>
+                </p:cNvPr>
+                <p:cNvSpPr txBox="1">
+                  <a:spLocks noRot="1" noChangeAspect="1" noMove="1" noResize="1" noEditPoints="1" noAdjustHandles="1" noChangeArrowheads="1" noChangeShapeType="1" noTextEdit="1"/>
+                </p:cNvSpPr>
+                <p:nvPr/>
+              </p:nvSpPr>
+              <p:spPr>
+                <a:xfrm>
+                  <a:off x="2613119" y="1732832"/>
+                  <a:ext cx="708847" cy="230832"/>
+                </a:xfrm>
+                <a:prstGeom prst="rect">
+                  <a:avLst/>
+                </a:prstGeom>
+                <a:blipFill>
+                  <a:blip r:embed="rId2"/>
+                  <a:stretch>
+                    <a:fillRect/>
+                  </a:stretch>
+                </a:blipFill>
+              </p:spPr>
+              <p:txBody>
+                <a:bodyPr/>
+                <a:lstStyle/>
+                <a:p>
+                  <a:r>
+                    <a:rPr lang="en-US">
+                      <a:noFill/>
+                    </a:rPr>
+                    <a:t> </a:t>
+                  </a:r>
+                </a:p>
+              </p:txBody>
+            </p:sp>
+          </mc:Fallback>
+        </mc:AlternateContent>
+        <p:sp>
+          <p:nvSpPr>
+            <p:cNvPr id="15" name="TextBox 14">
+              <a:extLst>
+                <a:ext uri="{FF2B5EF4-FFF2-40B4-BE49-F238E27FC236}">
+                  <a16:creationId xmlns:a16="http://schemas.microsoft.com/office/drawing/2014/main" id="{0E10C8FE-C0BC-2F8F-5282-94D2E6A43AAA}"/>
+                </a:ext>
+              </a:extLst>
+            </p:cNvPr>
+            <p:cNvSpPr txBox="1"/>
+            <p:nvPr/>
+          </p:nvSpPr>
+          <p:spPr>
+            <a:xfrm>
+              <a:off x="4357519" y="1516984"/>
+              <a:ext cx="461986" cy="230832"/>
+            </a:xfrm>
+            <a:prstGeom prst="rect">
+              <a:avLst/>
+            </a:prstGeom>
+            <a:noFill/>
+          </p:spPr>
+          <p:txBody>
+            <a:bodyPr wrap="none" rtlCol="0">
+              <a:spAutoFit/>
+            </a:bodyPr>
+            <a:lstStyle/>
+            <a:p>
+              <a:r>
+                <a:rPr lang="en-US" sz="900" dirty="0"/>
+                <a:t>policy</a:t>
+              </a:r>
+            </a:p>
+          </p:txBody>
+        </p:sp>
+        <p:cxnSp>
+          <p:nvCxnSpPr>
+            <p:cNvPr id="17" name="Straight Arrow Connector 16">
+              <a:extLst>
+                <a:ext uri="{FF2B5EF4-FFF2-40B4-BE49-F238E27FC236}">
+                  <a16:creationId xmlns:a16="http://schemas.microsoft.com/office/drawing/2014/main" id="{423B2002-4FA4-067B-8F4F-6701DFEF4CCB}"/>
+                </a:ext>
+              </a:extLst>
+            </p:cNvPr>
+            <p:cNvCxnSpPr>
+              <a:stCxn id="6" idx="3"/>
+              <a:endCxn id="8" idx="1"/>
+            </p:cNvCxnSpPr>
+            <p:nvPr/>
+          </p:nvCxnSpPr>
+          <p:spPr>
+            <a:xfrm>
+              <a:off x="4227029" y="1738891"/>
+              <a:ext cx="749247" cy="0"/>
+            </a:xfrm>
+            <a:prstGeom prst="straightConnector1">
+              <a:avLst/>
+            </a:prstGeom>
+            <a:ln>
+              <a:tailEnd type="triangle"/>
+            </a:ln>
+          </p:spPr>
+          <p:style>
+            <a:lnRef idx="1">
+              <a:schemeClr val="accent1"/>
+            </a:lnRef>
+            <a:fillRef idx="0">
+              <a:schemeClr val="accent1"/>
+            </a:fillRef>
+            <a:effectRef idx="0">
+              <a:schemeClr val="accent1"/>
+            </a:effectRef>
+            <a:fontRef idx="minor">
+              <a:schemeClr val="tx1"/>
+            </a:fontRef>
+          </p:style>
+        </p:cxnSp>
+        <p:sp>
+          <p:nvSpPr>
+            <p:cNvPr id="18" name="Rounded Rectangle 17">
+              <a:extLst>
+                <a:ext uri="{FF2B5EF4-FFF2-40B4-BE49-F238E27FC236}">
+                  <a16:creationId xmlns:a16="http://schemas.microsoft.com/office/drawing/2014/main" id="{C0CDA71D-86A1-21C8-07D5-0B92D1E4F38E}"/>
+                </a:ext>
+              </a:extLst>
+            </p:cNvPr>
+            <p:cNvSpPr/>
+            <p:nvPr/>
+          </p:nvSpPr>
+          <p:spPr>
+            <a:xfrm>
+              <a:off x="3233972" y="1286790"/>
+              <a:ext cx="1107355" cy="922052"/>
+            </a:xfrm>
+            <a:prstGeom prst="roundRect">
+              <a:avLst/>
+            </a:prstGeom>
+            <a:solidFill>
+              <a:schemeClr val="accent1">
+                <a:alpha val="5176"/>
+              </a:schemeClr>
+            </a:solidFill>
+            <a:ln>
+              <a:solidFill>
+                <a:srgbClr val="FFC000"/>
+              </a:solidFill>
+            </a:ln>
+          </p:spPr>
+          <p:style>
+            <a:lnRef idx="2">
+              <a:schemeClr val="accent1">
+                <a:shade val="15000"/>
+              </a:schemeClr>
+            </a:lnRef>
+            <a:fillRef idx="1">
+              <a:schemeClr val="accent1"/>
+            </a:fillRef>
+            <a:effectRef idx="0">
+              <a:schemeClr val="accent1"/>
+            </a:effectRef>
+            <a:fontRef idx="minor">
+              <a:schemeClr val="lt1"/>
+            </a:fontRef>
+          </p:style>
+          <p:txBody>
+            <a:bodyPr rtlCol="0" anchor="ctr"/>
+            <a:lstStyle/>
+            <a:p>
+              <a:pPr algn="ctr"/>
+              <a:endParaRPr lang="en-US"/>
+            </a:p>
+          </p:txBody>
+        </p:sp>
+        <p:sp>
+          <p:nvSpPr>
+            <p:cNvPr id="19" name="TextBox 18">
+              <a:extLst>
+                <a:ext uri="{FF2B5EF4-FFF2-40B4-BE49-F238E27FC236}">
+                  <a16:creationId xmlns:a16="http://schemas.microsoft.com/office/drawing/2014/main" id="{9ACBEE26-CDF9-116A-9CBD-B52928E44299}"/>
+                </a:ext>
+              </a:extLst>
+            </p:cNvPr>
+            <p:cNvSpPr txBox="1"/>
+            <p:nvPr/>
+          </p:nvSpPr>
+          <p:spPr>
+            <a:xfrm>
+              <a:off x="3258332" y="1077003"/>
+              <a:ext cx="1072730" cy="230832"/>
+            </a:xfrm>
+            <a:prstGeom prst="rect">
+              <a:avLst/>
+            </a:prstGeom>
+            <a:noFill/>
+          </p:spPr>
+          <p:txBody>
+            <a:bodyPr wrap="none" rtlCol="0">
+              <a:spAutoFit/>
+            </a:bodyPr>
+            <a:lstStyle/>
+            <a:p>
+              <a:r>
+                <a:rPr lang="en-US" sz="900" dirty="0"/>
+                <a:t>batch learning task</a:t>
+              </a:r>
+            </a:p>
+          </p:txBody>
+        </p:sp>
+      </p:grpSp>
+      <p:grpSp>
+        <p:nvGrpSpPr>
+          <p:cNvPr id="42" name="Group 41">
+            <a:extLst>
+              <a:ext uri="{FF2B5EF4-FFF2-40B4-BE49-F238E27FC236}">
+                <a16:creationId xmlns:a16="http://schemas.microsoft.com/office/drawing/2014/main" id="{3C22AF5C-7FF1-E98E-1EB7-B28DCF359E19}"/>
+              </a:ext>
+            </a:extLst>
+          </p:cNvPr>
+          <p:cNvGrpSpPr/>
+          <p:nvPr/>
+        </p:nvGrpSpPr>
+        <p:grpSpPr>
+          <a:xfrm>
+            <a:off x="1673352" y="3962927"/>
+            <a:ext cx="4199971" cy="1468604"/>
+            <a:chOff x="1673352" y="3962927"/>
+            <a:chExt cx="4199971" cy="1468604"/>
+          </a:xfrm>
+        </p:grpSpPr>
+        <p:sp>
+          <p:nvSpPr>
+            <p:cNvPr id="33" name="Rounded Rectangle 32">
+              <a:extLst>
+                <a:ext uri="{FF2B5EF4-FFF2-40B4-BE49-F238E27FC236}">
+                  <a16:creationId xmlns:a16="http://schemas.microsoft.com/office/drawing/2014/main" id="{9F9ED620-EBCE-A60C-B3A0-666616903F81}"/>
+                </a:ext>
+              </a:extLst>
+            </p:cNvPr>
+            <p:cNvSpPr/>
+            <p:nvPr/>
+          </p:nvSpPr>
+          <p:spPr>
+            <a:xfrm>
+              <a:off x="1673352" y="4187380"/>
+              <a:ext cx="2700359" cy="1244151"/>
+            </a:xfrm>
+            <a:prstGeom prst="roundRect">
+              <a:avLst/>
+            </a:prstGeom>
+            <a:solidFill>
+              <a:schemeClr val="accent1">
+                <a:alpha val="5176"/>
+              </a:schemeClr>
+            </a:solidFill>
+            <a:ln>
+              <a:solidFill>
+                <a:srgbClr val="FFC000"/>
+              </a:solidFill>
+            </a:ln>
+          </p:spPr>
+          <p:style>
+            <a:lnRef idx="2">
+              <a:schemeClr val="accent1">
+                <a:shade val="15000"/>
+              </a:schemeClr>
+            </a:lnRef>
+            <a:fillRef idx="1">
+              <a:schemeClr val="accent1"/>
+            </a:fillRef>
+            <a:effectRef idx="0">
+              <a:schemeClr val="accent1"/>
+            </a:effectRef>
+            <a:fontRef idx="minor">
+              <a:schemeClr val="lt1"/>
+            </a:fontRef>
+          </p:style>
+          <p:txBody>
+            <a:bodyPr rtlCol="0" anchor="ctr"/>
+            <a:lstStyle/>
+            <a:p>
+              <a:pPr algn="ctr"/>
+              <a:endParaRPr lang="en-US"/>
+            </a:p>
+          </p:txBody>
+        </p:sp>
+        <p:sp>
+          <p:nvSpPr>
+            <p:cNvPr id="22" name="Rounded Rectangle 21">
+              <a:extLst>
+                <a:ext uri="{FF2B5EF4-FFF2-40B4-BE49-F238E27FC236}">
+                  <a16:creationId xmlns:a16="http://schemas.microsoft.com/office/drawing/2014/main" id="{5913E453-4941-34A1-D769-90A5932E6268}"/>
+                </a:ext>
+              </a:extLst>
+            </p:cNvPr>
+            <p:cNvSpPr/>
+            <p:nvPr/>
+          </p:nvSpPr>
+          <p:spPr>
+            <a:xfrm>
+              <a:off x="1822926" y="4365927"/>
+              <a:ext cx="864663" cy="547109"/>
+            </a:xfrm>
+            <a:prstGeom prst="roundRect">
+              <a:avLst/>
+            </a:prstGeom>
+            <a:solidFill>
+              <a:schemeClr val="accent1">
+                <a:alpha val="10000"/>
+              </a:schemeClr>
+            </a:solidFill>
+          </p:spPr>
+          <p:style>
+            <a:lnRef idx="2">
+              <a:schemeClr val="accent1">
+                <a:shade val="15000"/>
+              </a:schemeClr>
+            </a:lnRef>
+            <a:fillRef idx="1">
+              <a:schemeClr val="accent1"/>
+            </a:fillRef>
+            <a:effectRef idx="0">
+              <a:schemeClr val="accent1"/>
+            </a:effectRef>
+            <a:fontRef idx="minor">
+              <a:schemeClr val="lt1"/>
+            </a:fontRef>
+          </p:style>
+          <p:txBody>
+            <a:bodyPr rtlCol="0" anchor="ctr"/>
+            <a:lstStyle/>
+            <a:p>
+              <a:pPr algn="ctr"/>
+              <a:endParaRPr lang="en-US"/>
+            </a:p>
+          </p:txBody>
+        </p:sp>
+        <p:sp>
+          <p:nvSpPr>
+            <p:cNvPr id="23" name="TextBox 22">
+              <a:extLst>
+                <a:ext uri="{FF2B5EF4-FFF2-40B4-BE49-F238E27FC236}">
+                  <a16:creationId xmlns:a16="http://schemas.microsoft.com/office/drawing/2014/main" id="{C7A64CC6-4BF7-BD16-62A8-DD67288B037A}"/>
+                </a:ext>
+              </a:extLst>
+            </p:cNvPr>
+            <p:cNvSpPr txBox="1"/>
+            <p:nvPr/>
+          </p:nvSpPr>
+          <p:spPr>
+            <a:xfrm>
+              <a:off x="1855310" y="4524065"/>
+              <a:ext cx="832279" cy="230832"/>
+            </a:xfrm>
+            <a:prstGeom prst="rect">
+              <a:avLst/>
+            </a:prstGeom>
+            <a:noFill/>
+          </p:spPr>
+          <p:txBody>
+            <a:bodyPr wrap="none" rtlCol="0">
+              <a:spAutoFit/>
+            </a:bodyPr>
+            <a:lstStyle/>
+            <a:p>
+              <a:r>
+                <a:rPr lang="en-US" sz="900" dirty="0"/>
+                <a:t>1. Exploration</a:t>
+              </a:r>
+            </a:p>
+          </p:txBody>
+        </p:sp>
+        <p:sp>
+          <p:nvSpPr>
+            <p:cNvPr id="24" name="Rounded Rectangle 23">
+              <a:extLst>
+                <a:ext uri="{FF2B5EF4-FFF2-40B4-BE49-F238E27FC236}">
+                  <a16:creationId xmlns:a16="http://schemas.microsoft.com/office/drawing/2014/main" id="{0DF76AA3-4EFB-69B7-B9EB-33461049E1AD}"/>
+                </a:ext>
+              </a:extLst>
+            </p:cNvPr>
+            <p:cNvSpPr/>
+            <p:nvPr/>
+          </p:nvSpPr>
+          <p:spPr>
+            <a:xfrm>
+              <a:off x="3394750" y="4365927"/>
+              <a:ext cx="864663" cy="547109"/>
+            </a:xfrm>
+            <a:prstGeom prst="roundRect">
+              <a:avLst/>
+            </a:prstGeom>
+            <a:solidFill>
+              <a:schemeClr val="accent1">
+                <a:alpha val="10000"/>
+              </a:schemeClr>
+            </a:solidFill>
+          </p:spPr>
+          <p:style>
+            <a:lnRef idx="2">
+              <a:schemeClr val="accent1">
+                <a:shade val="15000"/>
+              </a:schemeClr>
+            </a:lnRef>
+            <a:fillRef idx="1">
+              <a:schemeClr val="accent1"/>
+            </a:fillRef>
+            <a:effectRef idx="0">
+              <a:schemeClr val="accent1"/>
+            </a:effectRef>
+            <a:fontRef idx="minor">
+              <a:schemeClr val="lt1"/>
+            </a:fontRef>
+          </p:style>
+          <p:txBody>
+            <a:bodyPr rtlCol="0" anchor="ctr"/>
+            <a:lstStyle/>
+            <a:p>
+              <a:pPr algn="ctr"/>
+              <a:endParaRPr lang="en-US"/>
+            </a:p>
+          </p:txBody>
+        </p:sp>
+        <p:sp>
+          <p:nvSpPr>
+            <p:cNvPr id="25" name="TextBox 24">
+              <a:extLst>
+                <a:ext uri="{FF2B5EF4-FFF2-40B4-BE49-F238E27FC236}">
+                  <a16:creationId xmlns:a16="http://schemas.microsoft.com/office/drawing/2014/main" id="{8DF2A426-FC7C-85B8-748E-655E6627C361}"/>
+                </a:ext>
+              </a:extLst>
+            </p:cNvPr>
+            <p:cNvSpPr txBox="1"/>
+            <p:nvPr/>
+          </p:nvSpPr>
+          <p:spPr>
+            <a:xfrm>
+              <a:off x="3427134" y="4524065"/>
+              <a:ext cx="700833" cy="230832"/>
+            </a:xfrm>
+            <a:prstGeom prst="rect">
+              <a:avLst/>
+            </a:prstGeom>
+            <a:noFill/>
+          </p:spPr>
+          <p:txBody>
+            <a:bodyPr wrap="none" rtlCol="0">
+              <a:spAutoFit/>
+            </a:bodyPr>
+            <a:lstStyle/>
+            <a:p>
+              <a:r>
+                <a:rPr lang="en-US" sz="900" dirty="0"/>
+                <a:t>2. Learning</a:t>
+              </a:r>
+            </a:p>
+          </p:txBody>
+        </p:sp>
+        <p:sp>
+          <p:nvSpPr>
+            <p:cNvPr id="26" name="Rounded Rectangle 25">
+              <a:extLst>
+                <a:ext uri="{FF2B5EF4-FFF2-40B4-BE49-F238E27FC236}">
+                  <a16:creationId xmlns:a16="http://schemas.microsoft.com/office/drawing/2014/main" id="{35B3C6DD-BF3D-18FE-87CB-DCDB8925F297}"/>
+                </a:ext>
+              </a:extLst>
+            </p:cNvPr>
+            <p:cNvSpPr/>
+            <p:nvPr/>
+          </p:nvSpPr>
+          <p:spPr>
+            <a:xfrm>
+              <a:off x="5008660" y="4365927"/>
+              <a:ext cx="864663" cy="547109"/>
+            </a:xfrm>
+            <a:prstGeom prst="roundRect">
+              <a:avLst/>
+            </a:prstGeom>
+            <a:solidFill>
+              <a:schemeClr val="accent1">
+                <a:alpha val="10000"/>
+              </a:schemeClr>
+            </a:solidFill>
+          </p:spPr>
+          <p:style>
+            <a:lnRef idx="2">
+              <a:schemeClr val="accent1">
+                <a:shade val="15000"/>
+              </a:schemeClr>
+            </a:lnRef>
+            <a:fillRef idx="1">
+              <a:schemeClr val="accent1"/>
+            </a:fillRef>
+            <a:effectRef idx="0">
+              <a:schemeClr val="accent1"/>
+            </a:effectRef>
+            <a:fontRef idx="minor">
+              <a:schemeClr val="lt1"/>
+            </a:fontRef>
+          </p:style>
+          <p:txBody>
+            <a:bodyPr rtlCol="0" anchor="ctr"/>
+            <a:lstStyle/>
+            <a:p>
+              <a:pPr algn="ctr"/>
+              <a:endParaRPr lang="en-US"/>
+            </a:p>
+          </p:txBody>
+        </p:sp>
+        <p:sp>
+          <p:nvSpPr>
+            <p:cNvPr id="27" name="TextBox 26">
+              <a:extLst>
+                <a:ext uri="{FF2B5EF4-FFF2-40B4-BE49-F238E27FC236}">
+                  <a16:creationId xmlns:a16="http://schemas.microsoft.com/office/drawing/2014/main" id="{008E0DB7-288D-1CE8-80A2-92C1FAFD557D}"/>
+                </a:ext>
+              </a:extLst>
+            </p:cNvPr>
+            <p:cNvSpPr txBox="1"/>
+            <p:nvPr/>
+          </p:nvSpPr>
+          <p:spPr>
+            <a:xfrm>
+              <a:off x="5041044" y="4524065"/>
+              <a:ext cx="830677" cy="230832"/>
+            </a:xfrm>
+            <a:prstGeom prst="rect">
+              <a:avLst/>
+            </a:prstGeom>
+            <a:noFill/>
+          </p:spPr>
+          <p:txBody>
+            <a:bodyPr wrap="none" rtlCol="0">
+              <a:spAutoFit/>
+            </a:bodyPr>
+            <a:lstStyle/>
+            <a:p>
+              <a:r>
+                <a:rPr lang="en-US" sz="900" dirty="0"/>
+                <a:t>3. Application</a:t>
+              </a:r>
+            </a:p>
+          </p:txBody>
+        </p:sp>
+        <p:cxnSp>
+          <p:nvCxnSpPr>
+            <p:cNvPr id="28" name="Straight Arrow Connector 27">
+              <a:extLst>
+                <a:ext uri="{FF2B5EF4-FFF2-40B4-BE49-F238E27FC236}">
+                  <a16:creationId xmlns:a16="http://schemas.microsoft.com/office/drawing/2014/main" id="{98FDC33F-D2D7-665D-8830-B93D5BFF50BB}"/>
+                </a:ext>
+              </a:extLst>
+            </p:cNvPr>
+            <p:cNvCxnSpPr>
+              <a:cxnSpLocks/>
+            </p:cNvCxnSpPr>
+            <p:nvPr/>
+          </p:nvCxnSpPr>
+          <p:spPr>
+            <a:xfrm>
+              <a:off x="2687589" y="4639481"/>
+              <a:ext cx="707161" cy="0"/>
+            </a:xfrm>
+            <a:prstGeom prst="straightConnector1">
+              <a:avLst/>
+            </a:prstGeom>
+            <a:ln>
+              <a:tailEnd type="triangle"/>
+            </a:ln>
+          </p:spPr>
+          <p:style>
+            <a:lnRef idx="1">
+              <a:schemeClr val="accent1"/>
+            </a:lnRef>
+            <a:fillRef idx="0">
+              <a:schemeClr val="accent1"/>
+            </a:fillRef>
+            <a:effectRef idx="0">
+              <a:schemeClr val="accent1"/>
+            </a:effectRef>
+            <a:fontRef idx="minor">
+              <a:schemeClr val="tx1"/>
+            </a:fontRef>
+          </p:style>
+        </p:cxnSp>
+        <p:sp>
+          <p:nvSpPr>
+            <p:cNvPr id="29" name="TextBox 28">
+              <a:extLst>
+                <a:ext uri="{FF2B5EF4-FFF2-40B4-BE49-F238E27FC236}">
+                  <a16:creationId xmlns:a16="http://schemas.microsoft.com/office/drawing/2014/main" id="{4D5F372F-A45E-6ECA-1BFA-9CF8F1D3DCA3}"/>
+                </a:ext>
+              </a:extLst>
+            </p:cNvPr>
+            <p:cNvSpPr txBox="1"/>
+            <p:nvPr/>
+          </p:nvSpPr>
+          <p:spPr>
+            <a:xfrm>
+              <a:off x="2645503" y="4445952"/>
+              <a:ext cx="683200" cy="230832"/>
+            </a:xfrm>
+            <a:prstGeom prst="rect">
+              <a:avLst/>
+            </a:prstGeom>
+            <a:noFill/>
+          </p:spPr>
+          <p:txBody>
+            <a:bodyPr wrap="none" rtlCol="0">
+              <a:spAutoFit/>
+            </a:bodyPr>
+            <a:lstStyle/>
+            <a:p>
+              <a:r>
+                <a:rPr lang="en-US" sz="900" dirty="0"/>
+                <a:t>transitions</a:t>
+              </a:r>
+            </a:p>
+          </p:txBody>
+        </p:sp>
+        <mc:AlternateContent xmlns:mc="http://schemas.openxmlformats.org/markup-compatibility/2006">
+          <mc:Choice xmlns:a14="http://schemas.microsoft.com/office/drawing/2010/main" Requires="a14">
+            <p:sp>
+              <p:nvSpPr>
+                <p:cNvPr id="30" name="TextBox 29">
+                  <a:extLst>
+                    <a:ext uri="{FF2B5EF4-FFF2-40B4-BE49-F238E27FC236}">
+                      <a16:creationId xmlns:a16="http://schemas.microsoft.com/office/drawing/2014/main" id="{8975EEAE-B391-DE1F-9083-5024732626FC}"/>
+                    </a:ext>
+                  </a:extLst>
+                </p:cNvPr>
+                <p:cNvSpPr txBox="1"/>
+                <p:nvPr/>
+              </p:nvSpPr>
+              <p:spPr>
+                <a:xfrm>
+                  <a:off x="2645503" y="4633423"/>
+                  <a:ext cx="708847" cy="230832"/>
+                </a:xfrm>
+                <a:prstGeom prst="rect">
+                  <a:avLst/>
+                </a:prstGeom>
+                <a:noFill/>
+              </p:spPr>
+              <p:txBody>
+                <a:bodyPr wrap="none" rtlCol="0">
+                  <a:spAutoFit/>
+                </a:bodyPr>
+                <a:lstStyle/>
+                <a:p>
+                  <a14:m>
+                    <m:oMathPara xmlns:m="http://schemas.openxmlformats.org/officeDocument/2006/math">
+                      <m:oMathParaPr>
+                        <m:jc m:val="centerGroup"/>
+                      </m:oMathParaPr>
+                      <m:oMath xmlns:m="http://schemas.openxmlformats.org/officeDocument/2006/math">
+                        <m:d>
+                          <m:dPr>
+                            <m:ctrlPr>
+                              <a:rPr lang="en-US" sz="900" i="1" dirty="0" smtClean="0">
+                                <a:latin typeface="Cambria Math" panose="02040503050406030204" pitchFamily="18" charset="0"/>
+                              </a:rPr>
+                            </m:ctrlPr>
+                          </m:dPr>
+                          <m:e>
+                            <m:r>
+                              <a:rPr lang="en-US" sz="900" i="1" dirty="0" smtClean="0">
+                                <a:latin typeface="Cambria Math" panose="02040503050406030204" pitchFamily="18" charset="0"/>
+                              </a:rPr>
+                              <m:t>𝑠</m:t>
+                            </m:r>
+                            <m:r>
+                              <a:rPr lang="en-US" sz="900" i="1" dirty="0" smtClean="0">
+                                <a:latin typeface="Cambria Math" panose="02040503050406030204" pitchFamily="18" charset="0"/>
+                              </a:rPr>
+                              <m:t>,</m:t>
+                            </m:r>
+                            <m:r>
+                              <a:rPr lang="en-US" sz="900" i="1" dirty="0" smtClean="0">
+                                <a:latin typeface="Cambria Math" panose="02040503050406030204" pitchFamily="18" charset="0"/>
+                              </a:rPr>
+                              <m:t>𝑎</m:t>
+                            </m:r>
+                            <m:r>
+                              <a:rPr lang="en-US" sz="900" i="1" dirty="0" smtClean="0">
+                                <a:latin typeface="Cambria Math" panose="02040503050406030204" pitchFamily="18" charset="0"/>
+                              </a:rPr>
+                              <m:t>,</m:t>
+                            </m:r>
+                            <m:r>
+                              <a:rPr lang="en-US" sz="900" i="1" dirty="0" smtClean="0">
+                                <a:latin typeface="Cambria Math" panose="02040503050406030204" pitchFamily="18" charset="0"/>
+                              </a:rPr>
+                              <m:t>𝑟</m:t>
+                            </m:r>
+                            <m:r>
+                              <a:rPr lang="en-US" sz="900" i="1" dirty="0" smtClean="0">
+                                <a:latin typeface="Cambria Math" panose="02040503050406030204" pitchFamily="18" charset="0"/>
+                              </a:rPr>
+                              <m:t>,</m:t>
+                            </m:r>
+                            <m:sSup>
+                              <m:sSupPr>
+                                <m:ctrlPr>
+                                  <a:rPr lang="en-US" sz="900" i="1" dirty="0" smtClean="0">
+                                    <a:latin typeface="Cambria Math" panose="02040503050406030204" pitchFamily="18" charset="0"/>
+                                  </a:rPr>
+                                </m:ctrlPr>
+                              </m:sSupPr>
+                              <m:e>
+                                <m:r>
+                                  <a:rPr lang="en-US" sz="900" b="0" i="1" dirty="0" smtClean="0">
+                                    <a:latin typeface="Cambria Math" panose="02040503050406030204" pitchFamily="18" charset="0"/>
+                                  </a:rPr>
+                                  <m:t>𝑠</m:t>
+                                </m:r>
+                              </m:e>
+                              <m:sup>
+                                <m:r>
+                                  <a:rPr lang="en-US" sz="900" b="0" i="1" dirty="0" smtClean="0">
+                                    <a:latin typeface="Cambria Math" panose="02040503050406030204" pitchFamily="18" charset="0"/>
+                                  </a:rPr>
+                                  <m:t>′</m:t>
+                                </m:r>
+                              </m:sup>
+                            </m:sSup>
+                          </m:e>
+                        </m:d>
+                      </m:oMath>
+                    </m:oMathPara>
+                  </a14:m>
+                  <a:endParaRPr lang="en-US" sz="900" dirty="0"/>
+                </a:p>
+              </p:txBody>
+            </p:sp>
+          </mc:Choice>
+          <mc:Fallback>
+            <p:sp>
+              <p:nvSpPr>
+                <p:cNvPr id="30" name="TextBox 29">
+                  <a:extLst>
+                    <a:ext uri="{FF2B5EF4-FFF2-40B4-BE49-F238E27FC236}">
+                      <a16:creationId xmlns:a16="http://schemas.microsoft.com/office/drawing/2014/main" id="{8975EEAE-B391-DE1F-9083-5024732626FC}"/>
+                    </a:ext>
+                  </a:extLst>
+                </p:cNvPr>
+                <p:cNvSpPr txBox="1">
+                  <a:spLocks noRot="1" noChangeAspect="1" noMove="1" noResize="1" noEditPoints="1" noAdjustHandles="1" noChangeArrowheads="1" noChangeShapeType="1" noTextEdit="1"/>
+                </p:cNvSpPr>
+                <p:nvPr/>
+              </p:nvSpPr>
+              <p:spPr>
+                <a:xfrm>
+                  <a:off x="2645503" y="4633423"/>
+                  <a:ext cx="708847" cy="230832"/>
+                </a:xfrm>
+                <a:prstGeom prst="rect">
+                  <a:avLst/>
+                </a:prstGeom>
+                <a:blipFill>
+                  <a:blip r:embed="rId3"/>
+                  <a:stretch>
+                    <a:fillRect/>
+                  </a:stretch>
+                </a:blipFill>
+              </p:spPr>
+              <p:txBody>
+                <a:bodyPr/>
+                <a:lstStyle/>
+                <a:p>
+                  <a:r>
+                    <a:rPr lang="en-US">
+                      <a:noFill/>
+                    </a:rPr>
+                    <a:t> </a:t>
+                  </a:r>
+                </a:p>
+              </p:txBody>
+            </p:sp>
+          </mc:Fallback>
+        </mc:AlternateContent>
+        <p:sp>
+          <p:nvSpPr>
+            <p:cNvPr id="31" name="TextBox 30">
+              <a:extLst>
+                <a:ext uri="{FF2B5EF4-FFF2-40B4-BE49-F238E27FC236}">
+                  <a16:creationId xmlns:a16="http://schemas.microsoft.com/office/drawing/2014/main" id="{C4911257-80A5-B5B6-58CF-366850FDD151}"/>
+                </a:ext>
+              </a:extLst>
+            </p:cNvPr>
+            <p:cNvSpPr txBox="1"/>
+            <p:nvPr/>
+          </p:nvSpPr>
+          <p:spPr>
+            <a:xfrm>
+              <a:off x="4389903" y="4417575"/>
+              <a:ext cx="461986" cy="230832"/>
+            </a:xfrm>
+            <a:prstGeom prst="rect">
+              <a:avLst/>
+            </a:prstGeom>
+            <a:noFill/>
+          </p:spPr>
+          <p:txBody>
+            <a:bodyPr wrap="none" rtlCol="0">
+              <a:spAutoFit/>
+            </a:bodyPr>
+            <a:lstStyle/>
+            <a:p>
+              <a:r>
+                <a:rPr lang="en-US" sz="900" dirty="0"/>
+                <a:t>policy</a:t>
+              </a:r>
+            </a:p>
+          </p:txBody>
+        </p:sp>
+        <p:cxnSp>
+          <p:nvCxnSpPr>
+            <p:cNvPr id="32" name="Straight Arrow Connector 31">
+              <a:extLst>
+                <a:ext uri="{FF2B5EF4-FFF2-40B4-BE49-F238E27FC236}">
+                  <a16:creationId xmlns:a16="http://schemas.microsoft.com/office/drawing/2014/main" id="{8EC46B51-F940-21F6-E29B-53F86C8F573C}"/>
+                </a:ext>
+              </a:extLst>
+            </p:cNvPr>
+            <p:cNvCxnSpPr>
+              <a:stCxn id="24" idx="3"/>
+              <a:endCxn id="26" idx="1"/>
+            </p:cNvCxnSpPr>
+            <p:nvPr/>
+          </p:nvCxnSpPr>
+          <p:spPr>
+            <a:xfrm>
+              <a:off x="4259413" y="4639482"/>
+              <a:ext cx="749247" cy="0"/>
+            </a:xfrm>
+            <a:prstGeom prst="straightConnector1">
+              <a:avLst/>
+            </a:prstGeom>
+            <a:ln>
+              <a:tailEnd type="triangle"/>
+            </a:ln>
+          </p:spPr>
+          <p:style>
+            <a:lnRef idx="1">
+              <a:schemeClr val="accent1"/>
+            </a:lnRef>
+            <a:fillRef idx="0">
+              <a:schemeClr val="accent1"/>
+            </a:fillRef>
+            <a:effectRef idx="0">
+              <a:schemeClr val="accent1"/>
+            </a:effectRef>
+            <a:fontRef idx="minor">
+              <a:schemeClr val="tx1"/>
+            </a:fontRef>
+          </p:style>
+        </p:cxnSp>
+        <p:sp>
+          <p:nvSpPr>
+            <p:cNvPr id="34" name="TextBox 33">
+              <a:extLst>
+                <a:ext uri="{FF2B5EF4-FFF2-40B4-BE49-F238E27FC236}">
+                  <a16:creationId xmlns:a16="http://schemas.microsoft.com/office/drawing/2014/main" id="{2BEFC906-EF1B-0209-ED93-A56DB7FEE74A}"/>
+                </a:ext>
+              </a:extLst>
+            </p:cNvPr>
+            <p:cNvSpPr txBox="1"/>
+            <p:nvPr/>
+          </p:nvSpPr>
+          <p:spPr>
+            <a:xfrm>
+              <a:off x="2387886" y="3962927"/>
+              <a:ext cx="1478290" cy="230832"/>
+            </a:xfrm>
+            <a:prstGeom prst="rect">
+              <a:avLst/>
+            </a:prstGeom>
+            <a:noFill/>
+          </p:spPr>
+          <p:txBody>
+            <a:bodyPr wrap="none" rtlCol="0">
+              <a:spAutoFit/>
+            </a:bodyPr>
+            <a:lstStyle/>
+            <a:p>
+              <a:r>
+                <a:rPr lang="en-US" sz="900" dirty="0"/>
+                <a:t>growing batch learning task</a:t>
+              </a:r>
+            </a:p>
+          </p:txBody>
+        </p:sp>
+        <p:cxnSp>
+          <p:nvCxnSpPr>
+            <p:cNvPr id="36" name="Elbow Connector 35">
+              <a:extLst>
+                <a:ext uri="{FF2B5EF4-FFF2-40B4-BE49-F238E27FC236}">
+                  <a16:creationId xmlns:a16="http://schemas.microsoft.com/office/drawing/2014/main" id="{0402677F-BD4C-DE76-8D51-72E81293E5D5}"/>
+                </a:ext>
+              </a:extLst>
+            </p:cNvPr>
+            <p:cNvCxnSpPr>
+              <a:cxnSpLocks/>
+            </p:cNvCxnSpPr>
+            <p:nvPr/>
+          </p:nvCxnSpPr>
+          <p:spPr>
+            <a:xfrm rot="10800000">
+              <a:off x="2216161" y="4906030"/>
+              <a:ext cx="1650015" cy="305754"/>
+            </a:xfrm>
+            <a:prstGeom prst="bentConnector2">
+              <a:avLst/>
+            </a:prstGeom>
+            <a:ln>
+              <a:tailEnd type="triangle"/>
+            </a:ln>
+          </p:spPr>
+          <p:style>
+            <a:lnRef idx="1">
+              <a:schemeClr val="accent1"/>
+            </a:lnRef>
+            <a:fillRef idx="0">
+              <a:schemeClr val="accent1"/>
+            </a:fillRef>
+            <a:effectRef idx="0">
+              <a:schemeClr val="accent1"/>
+            </a:effectRef>
+            <a:fontRef idx="minor">
+              <a:schemeClr val="tx1"/>
+            </a:fontRef>
+          </p:style>
+        </p:cxnSp>
+        <p:cxnSp>
+          <p:nvCxnSpPr>
+            <p:cNvPr id="40" name="Straight Connector 39">
+              <a:extLst>
+                <a:ext uri="{FF2B5EF4-FFF2-40B4-BE49-F238E27FC236}">
+                  <a16:creationId xmlns:a16="http://schemas.microsoft.com/office/drawing/2014/main" id="{79028059-CD3F-F417-C198-E25DD9403948}"/>
+                </a:ext>
+              </a:extLst>
+            </p:cNvPr>
+            <p:cNvCxnSpPr/>
+            <p:nvPr/>
+          </p:nvCxnSpPr>
+          <p:spPr>
+            <a:xfrm flipV="1">
+              <a:off x="3866178" y="4919931"/>
+              <a:ext cx="0" cy="298859"/>
+            </a:xfrm>
+            <a:prstGeom prst="line">
+              <a:avLst/>
+            </a:prstGeom>
+          </p:spPr>
+          <p:style>
+            <a:lnRef idx="1">
+              <a:schemeClr val="accent1"/>
+            </a:lnRef>
+            <a:fillRef idx="0">
+              <a:schemeClr val="accent1"/>
+            </a:fillRef>
+            <a:effectRef idx="0">
+              <a:schemeClr val="accent1"/>
+            </a:effectRef>
+            <a:fontRef idx="minor">
+              <a:schemeClr val="tx1"/>
+            </a:fontRef>
+          </p:style>
+        </p:cxnSp>
+        <p:sp>
+          <p:nvSpPr>
+            <p:cNvPr id="41" name="TextBox 40">
+              <a:extLst>
+                <a:ext uri="{FF2B5EF4-FFF2-40B4-BE49-F238E27FC236}">
+                  <a16:creationId xmlns:a16="http://schemas.microsoft.com/office/drawing/2014/main" id="{CAA52923-4D78-F06A-EBB8-E50387CBA1DA}"/>
+                </a:ext>
+              </a:extLst>
+            </p:cNvPr>
+            <p:cNvSpPr txBox="1"/>
+            <p:nvPr/>
+          </p:nvSpPr>
+          <p:spPr>
+            <a:xfrm>
+              <a:off x="2487166" y="4993860"/>
+              <a:ext cx="1026243" cy="230832"/>
+            </a:xfrm>
+            <a:prstGeom prst="rect">
+              <a:avLst/>
+            </a:prstGeom>
+            <a:noFill/>
+          </p:spPr>
+          <p:txBody>
+            <a:bodyPr wrap="none" rtlCol="0">
+              <a:spAutoFit/>
+            </a:bodyPr>
+            <a:lstStyle/>
+            <a:p>
+              <a:r>
+                <a:rPr lang="en-US" sz="900" dirty="0"/>
+                <a:t>exploration policy</a:t>
+              </a:r>
+            </a:p>
+          </p:txBody>
+        </p:sp>
+      </p:grpSp>
     </p:spTree>
     <p:extLst>
       <p:ext uri="{BB962C8B-B14F-4D97-AF65-F5344CB8AC3E}">
